--- a/presentations/[웹프로그래밍응용] Javascript Memory Model-2022564004 김다빈.pptx
+++ b/presentations/[웹프로그래밍응용] Javascript Memory Model-2022564004 김다빈.pptx
@@ -245,7 +245,7 @@
           <a:p>
             <a:fld id="{945D2206-F45D-478D-BFB1-ABAEAD250DB4}" type="datetimeFigureOut">
               <a:rPr lang="ko-KR" altLang="en-US" smtClean="0"/>
-              <a:t>2024-04-01</a:t>
+              <a:t>2024-04-03</a:t>
             </a:fld>
             <a:endParaRPr lang="ko-KR" altLang="en-US"/>
           </a:p>
@@ -422,7 +422,7 @@
           <a:p>
             <a:fld id="{EE06DB36-32E5-4EBE-B730-D6CE078D50E0}" type="datetimeFigureOut">
               <a:rPr lang="ko-KR" altLang="en-US" smtClean="0"/>
-              <a:t>2024-04-01</a:t>
+              <a:t>2024-04-03</a:t>
             </a:fld>
             <a:endParaRPr lang="ko-KR" altLang="en-US"/>
           </a:p>
@@ -1115,7 +1115,7 @@
           <a:p>
             <a:fld id="{B4D09C92-E160-4102-9F46-5182FE69DE6A}" type="datetimeFigureOut">
               <a:rPr lang="ko-KR" altLang="en-US" smtClean="0"/>
-              <a:t>2024-04-01</a:t>
+              <a:t>2024-04-03</a:t>
             </a:fld>
             <a:endParaRPr lang="ko-KR" altLang="en-US"/>
           </a:p>
@@ -1353,7 +1353,7 @@
           <a:p>
             <a:fld id="{B4D09C92-E160-4102-9F46-5182FE69DE6A}" type="datetimeFigureOut">
               <a:rPr lang="ko-KR" altLang="en-US" smtClean="0"/>
-              <a:t>2024-04-01</a:t>
+              <a:t>2024-04-03</a:t>
             </a:fld>
             <a:endParaRPr lang="ko-KR" altLang="en-US"/>
           </a:p>
@@ -1591,7 +1591,7 @@
           <a:p>
             <a:fld id="{B4D09C92-E160-4102-9F46-5182FE69DE6A}" type="datetimeFigureOut">
               <a:rPr lang="ko-KR" altLang="en-US" smtClean="0"/>
-              <a:t>2024-04-01</a:t>
+              <a:t>2024-04-03</a:t>
             </a:fld>
             <a:endParaRPr lang="ko-KR" altLang="en-US"/>
           </a:p>
@@ -1896,7 +1896,7 @@
           <a:p>
             <a:fld id="{B4D09C92-E160-4102-9F46-5182FE69DE6A}" type="datetimeFigureOut">
               <a:rPr lang="ko-KR" altLang="en-US" smtClean="0"/>
-              <a:t>2024-04-01</a:t>
+              <a:t>2024-04-03</a:t>
             </a:fld>
             <a:endParaRPr lang="ko-KR" altLang="en-US"/>
           </a:p>
@@ -2199,7 +2199,7 @@
           <a:p>
             <a:fld id="{B4D09C92-E160-4102-9F46-5182FE69DE6A}" type="datetimeFigureOut">
               <a:rPr lang="ko-KR" altLang="en-US" smtClean="0"/>
-              <a:t>2024-04-01</a:t>
+              <a:t>2024-04-03</a:t>
             </a:fld>
             <a:endParaRPr lang="ko-KR" altLang="en-US"/>
           </a:p>
@@ -2650,7 +2650,7 @@
           <a:p>
             <a:fld id="{B4D09C92-E160-4102-9F46-5182FE69DE6A}" type="datetimeFigureOut">
               <a:rPr lang="ko-KR" altLang="en-US" smtClean="0"/>
-              <a:t>2024-04-01</a:t>
+              <a:t>2024-04-03</a:t>
             </a:fld>
             <a:endParaRPr lang="ko-KR" altLang="en-US"/>
           </a:p>
@@ -2823,7 +2823,7 @@
           <a:p>
             <a:fld id="{B4D09C92-E160-4102-9F46-5182FE69DE6A}" type="datetimeFigureOut">
               <a:rPr lang="ko-KR" altLang="en-US" smtClean="0"/>
-              <a:t>2024-04-01</a:t>
+              <a:t>2024-04-03</a:t>
             </a:fld>
             <a:endParaRPr lang="ko-KR" altLang="en-US"/>
           </a:p>
@@ -2960,7 +2960,7 @@
           <a:p>
             <a:fld id="{B4D09C92-E160-4102-9F46-5182FE69DE6A}" type="datetimeFigureOut">
               <a:rPr lang="ko-KR" altLang="en-US" smtClean="0"/>
-              <a:t>2024-04-01</a:t>
+              <a:t>2024-04-03</a:t>
             </a:fld>
             <a:endParaRPr lang="ko-KR" altLang="en-US"/>
           </a:p>
@@ -3304,7 +3304,7 @@
           <a:p>
             <a:fld id="{B4D09C92-E160-4102-9F46-5182FE69DE6A}" type="datetimeFigureOut">
               <a:rPr lang="ko-KR" altLang="en-US" smtClean="0"/>
-              <a:t>2024-04-01</a:t>
+              <a:t>2024-04-03</a:t>
             </a:fld>
             <a:endParaRPr lang="ko-KR" altLang="en-US"/>
           </a:p>
@@ -3625,7 +3625,7 @@
           <a:p>
             <a:fld id="{B4D09C92-E160-4102-9F46-5182FE69DE6A}" type="datetimeFigureOut">
               <a:rPr lang="ko-KR" altLang="en-US" smtClean="0"/>
-              <a:t>2024-04-01</a:t>
+              <a:t>2024-04-03</a:t>
             </a:fld>
             <a:endParaRPr lang="ko-KR" altLang="en-US"/>
           </a:p>
@@ -17029,8 +17029,8 @@
         </p:nvSpPr>
         <p:spPr>
           <a:xfrm>
-            <a:off x="2864992" y="3666880"/>
-            <a:ext cx="1234633" cy="307777"/>
+            <a:off x="3028498" y="3666880"/>
+            <a:ext cx="907621" cy="307777"/>
           </a:xfrm>
           <a:prstGeom prst="rect">
             <a:avLst/>
@@ -17053,7 +17053,7 @@
                   </a:schemeClr>
                 </a:solidFill>
               </a:rPr>
-              <a:t>newNumber</a:t>
+              <a:t>myArray</a:t>
             </a:r>
             <a:endParaRPr lang="ko-KR" altLang="en-US" sz="1400" b="1" i="1" dirty="0">
               <a:solidFill>
@@ -18752,8 +18752,8 @@
         </p:nvSpPr>
         <p:spPr>
           <a:xfrm>
-            <a:off x="2864992" y="3666880"/>
-            <a:ext cx="1234633" cy="307777"/>
+            <a:off x="3028499" y="3666880"/>
+            <a:ext cx="907621" cy="307777"/>
           </a:xfrm>
           <a:prstGeom prst="rect">
             <a:avLst/>
@@ -18776,7 +18776,7 @@
                   </a:schemeClr>
                 </a:solidFill>
               </a:rPr>
-              <a:t>newNumber</a:t>
+              <a:t>myArray</a:t>
             </a:r>
             <a:endParaRPr lang="ko-KR" altLang="en-US" sz="1400" b="1" i="1" dirty="0">
               <a:solidFill>
